--- a/_SLIDES/2020/H4- Werken met data/H4_3-Math bib en berekeningen en random.pptx
+++ b/_SLIDES/2020/H4- Werken met data/H4_3-Math bib en berekeningen en random.pptx
@@ -1046,10 +1046,24 @@
         <a:lstStyle/>
         <a:p>
           <a:r>
-            <a:rPr lang="nl-BE"/>
-            <a:t>int x = (int)value; // cast</a:t>
+            <a:rPr lang="nl-BE" dirty="0"/>
+            <a:t>int x = (int)</a:t>
           </a:r>
-          <a:endParaRPr lang="en-US"/>
+          <a:r>
+            <a:rPr lang="nl-BE" dirty="0" err="1"/>
+            <a:t>value</a:t>
+          </a:r>
+          <a:r>
+            <a:rPr lang="nl-BE" dirty="0"/>
+            <a:t>; </a:t>
+          </a:r>
+        </a:p>
+        <a:p>
+          <a:r>
+            <a:rPr lang="nl-BE" dirty="0"/>
+            <a:t>// casting</a:t>
+          </a:r>
+          <a:endParaRPr lang="en-US" dirty="0"/>
         </a:p>
       </dgm:t>
     </dgm:pt>
@@ -1086,18 +1100,18 @@
         <a:lstStyle/>
         <a:p>
           <a:r>
-            <a:rPr lang="nl-BE"/>
+            <a:rPr lang="nl-BE" dirty="0"/>
             <a:t>Omzetten naar int door </a:t>
           </a:r>
           <a:r>
-            <a:rPr lang="nl-BE" i="1"/>
-            <a:t>afkappen</a:t>
+            <a:rPr lang="nl-BE" i="1" dirty="0"/>
+            <a:t>afkappen tijdens casting</a:t>
           </a:r>
           <a:r>
-            <a:rPr lang="nl-BE"/>
+            <a:rPr lang="nl-BE" dirty="0"/>
             <a:t>!</a:t>
           </a:r>
-          <a:endParaRPr lang="en-US"/>
+          <a:endParaRPr lang="en-US" dirty="0"/>
         </a:p>
       </dgm:t>
     </dgm:pt>
@@ -1322,19 +1336,19 @@
         <a:lstStyle/>
         <a:p>
           <a:r>
-            <a:rPr lang="en-US" dirty="0" err="1"/>
+            <a:rPr lang="en-US" b="1" dirty="0" err="1"/>
             <a:t>Opletten</a:t>
           </a:r>
           <a:r>
-            <a:rPr lang="en-US" dirty="0"/>
+            <a:rPr lang="en-US" b="1" dirty="0"/>
             <a:t> </a:t>
           </a:r>
           <a:r>
-            <a:rPr lang="en-US" dirty="0" err="1"/>
+            <a:rPr lang="en-US" b="1" dirty="0" err="1"/>
             <a:t>voor</a:t>
           </a:r>
           <a:r>
-            <a:rPr lang="en-US" dirty="0"/>
+            <a:rPr lang="en-US" b="1" dirty="0"/>
             <a:t> Banker’s rounding</a:t>
           </a:r>
         </a:p>
@@ -1902,10 +1916,36 @@
             <a:buNone/>
           </a:pPr>
           <a:r>
-            <a:rPr lang="nl-BE" sz="1700" kern="1200"/>
-            <a:t>int x = (int)value; // cast</a:t>
+            <a:rPr lang="nl-BE" sz="1700" kern="1200" dirty="0"/>
+            <a:t>int x = (int)</a:t>
           </a:r>
-          <a:endParaRPr lang="en-US" sz="1700" kern="1200"/>
+          <a:r>
+            <a:rPr lang="nl-BE" sz="1700" kern="1200" dirty="0" err="1"/>
+            <a:t>value</a:t>
+          </a:r>
+          <a:r>
+            <a:rPr lang="nl-BE" sz="1700" kern="1200" dirty="0"/>
+            <a:t>; </a:t>
+          </a:r>
+        </a:p>
+        <a:p>
+          <a:pPr marL="0" lvl="0" indent="0" algn="l" defTabSz="755650">
+            <a:lnSpc>
+              <a:spcPct val="90000"/>
+            </a:lnSpc>
+            <a:spcBef>
+              <a:spcPct val="0"/>
+            </a:spcBef>
+            <a:spcAft>
+              <a:spcPct val="35000"/>
+            </a:spcAft>
+            <a:buNone/>
+          </a:pPr>
+          <a:r>
+            <a:rPr lang="nl-BE" sz="1700" kern="1200" dirty="0"/>
+            <a:t>// casting</a:t>
+          </a:r>
+          <a:endParaRPr lang="en-US" sz="1700" kern="1200" dirty="0"/>
         </a:p>
         <a:p>
           <a:pPr marL="114300" lvl="1" indent="-114300" algn="l" defTabSz="577850">
@@ -1921,18 +1961,18 @@
             <a:buChar char="•"/>
           </a:pPr>
           <a:r>
-            <a:rPr lang="nl-BE" sz="1300" kern="1200"/>
+            <a:rPr lang="nl-BE" sz="1300" kern="1200" dirty="0"/>
             <a:t>Omzetten naar int door </a:t>
           </a:r>
           <a:r>
-            <a:rPr lang="nl-BE" sz="1300" i="1" kern="1200"/>
-            <a:t>afkappen</a:t>
+            <a:rPr lang="nl-BE" sz="1300" i="1" kern="1200" dirty="0"/>
+            <a:t>afkappen tijdens casting</a:t>
           </a:r>
           <a:r>
-            <a:rPr lang="nl-BE" sz="1300" kern="1200"/>
+            <a:rPr lang="nl-BE" sz="1300" kern="1200" dirty="0"/>
             <a:t>!</a:t>
           </a:r>
-          <a:endParaRPr lang="en-US" sz="1300" kern="1200"/>
+          <a:endParaRPr lang="en-US" sz="1300" kern="1200" dirty="0"/>
         </a:p>
       </dsp:txBody>
       <dsp:txXfrm>
@@ -2195,19 +2235,19 @@
             <a:buChar char="•"/>
           </a:pPr>
           <a:r>
-            <a:rPr lang="en-US" sz="1300" kern="1200" dirty="0" err="1"/>
+            <a:rPr lang="en-US" sz="1300" b="1" kern="1200" dirty="0" err="1"/>
             <a:t>Opletten</a:t>
           </a:r>
           <a:r>
-            <a:rPr lang="en-US" sz="1300" kern="1200" dirty="0"/>
+            <a:rPr lang="en-US" sz="1300" b="1" kern="1200" dirty="0"/>
             <a:t> </a:t>
           </a:r>
           <a:r>
-            <a:rPr lang="en-US" sz="1300" kern="1200" dirty="0" err="1"/>
+            <a:rPr lang="en-US" sz="1300" b="1" kern="1200" dirty="0" err="1"/>
             <a:t>voor</a:t>
           </a:r>
           <a:r>
-            <a:rPr lang="en-US" sz="1300" kern="1200" dirty="0"/>
+            <a:rPr lang="en-US" sz="1300" b="1" kern="1200" dirty="0"/>
             <a:t> Banker’s rounding</a:t>
           </a:r>
         </a:p>
@@ -3970,7 +4010,7 @@
           <a:p>
             <a:fld id="{85EE1F57-E73E-475C-872F-886F27274373}" type="datetimeFigureOut">
               <a:rPr lang="nl-BE" smtClean="0"/>
-              <a:t>14/09/2020</a:t>
+              <a:t>21/09/2020</a:t>
             </a:fld>
             <a:endParaRPr lang="nl-BE"/>
           </a:p>
@@ -4135,7 +4175,7 @@
           <a:p>
             <a:fld id="{E0BBF532-A5DD-4E27-82A5-D972027CDA5D}" type="datetimeFigureOut">
               <a:rPr lang="nl-BE" smtClean="0"/>
-              <a:t>14/09/2020</a:t>
+              <a:t>21/09/2020</a:t>
             </a:fld>
             <a:endParaRPr lang="nl-BE"/>
           </a:p>
@@ -4658,7 +4698,7 @@
           <a:p>
             <a:fld id="{BCCA6142-F57B-48C8-97F4-E016AC358AB9}" type="datetime1">
               <a:rPr lang="nl-BE" smtClean="0"/>
-              <a:t>14/09/2020</a:t>
+              <a:t>21/09/2020</a:t>
             </a:fld>
             <a:endParaRPr lang="nl-BE" dirty="0"/>
           </a:p>
@@ -4954,7 +4994,7 @@
           <a:p>
             <a:fld id="{5FB9A890-CB95-4A02-8EA4-7544B08DB4E2}" type="datetime1">
               <a:rPr lang="nl-BE" smtClean="0"/>
-              <a:t>14/09/2020</a:t>
+              <a:t>21/09/2020</a:t>
             </a:fld>
             <a:endParaRPr lang="nl-BE"/>
           </a:p>
@@ -5167,7 +5207,7 @@
           <a:p>
             <a:fld id="{813D1D9F-4518-4980-9C0D-8EB7894ABDE4}" type="datetime1">
               <a:rPr lang="nl-BE" smtClean="0"/>
-              <a:t>14/09/2020</a:t>
+              <a:t>21/09/2020</a:t>
             </a:fld>
             <a:endParaRPr lang="nl-BE"/>
           </a:p>
@@ -5401,7 +5441,7 @@
           <a:p>
             <a:fld id="{62BF7167-EA82-4644-8F88-C53816572F96}" type="datetime1">
               <a:rPr lang="nl-BE" smtClean="0"/>
-              <a:t>14/09/2020</a:t>
+              <a:t>21/09/2020</a:t>
             </a:fld>
             <a:endParaRPr lang="nl-BE"/>
           </a:p>
@@ -5681,7 +5721,7 @@
           <a:p>
             <a:fld id="{FC393B68-E771-4EAB-BD5A-988B3BCEC1C4}" type="datetime1">
               <a:rPr lang="nl-BE" smtClean="0"/>
-              <a:t>14/09/2020</a:t>
+              <a:t>21/09/2020</a:t>
             </a:fld>
             <a:endParaRPr lang="nl-BE"/>
           </a:p>
@@ -5952,7 +5992,7 @@
           <a:p>
             <a:fld id="{3FA1FA05-B5D2-497F-81AB-0906CD7F230B}" type="datetime1">
               <a:rPr lang="nl-BE" smtClean="0"/>
-              <a:t>14/09/2020</a:t>
+              <a:t>21/09/2020</a:t>
             </a:fld>
             <a:endParaRPr lang="nl-BE"/>
           </a:p>
@@ -6370,7 +6410,7 @@
           <a:p>
             <a:fld id="{05261B88-F79F-4529-821E-344A934E6946}" type="datetime1">
               <a:rPr lang="nl-BE" smtClean="0"/>
-              <a:t>14/09/2020</a:t>
+              <a:t>21/09/2020</a:t>
             </a:fld>
             <a:endParaRPr lang="nl-BE"/>
           </a:p>
@@ -6515,7 +6555,7 @@
           <a:p>
             <a:fld id="{9D36FFD9-A9CE-4423-9581-2A56F0092606}" type="datetime1">
               <a:rPr lang="nl-BE" smtClean="0"/>
-              <a:t>14/09/2020</a:t>
+              <a:t>21/09/2020</a:t>
             </a:fld>
             <a:endParaRPr lang="nl-BE"/>
           </a:p>
@@ -6631,7 +6671,7 @@
           <a:p>
             <a:fld id="{7896331C-B12C-4B5E-A588-AEBE791B8080}" type="datetime1">
               <a:rPr lang="nl-BE" smtClean="0"/>
-              <a:t>14/09/2020</a:t>
+              <a:t>21/09/2020</a:t>
             </a:fld>
             <a:endParaRPr lang="nl-BE"/>
           </a:p>
@@ -6947,7 +6987,7 @@
           <a:p>
             <a:fld id="{CDDA2E80-F5AF-4838-8E2B-93B8353DFA07}" type="datetime1">
               <a:rPr lang="nl-BE" smtClean="0"/>
-              <a:t>14/09/2020</a:t>
+              <a:t>21/09/2020</a:t>
             </a:fld>
             <a:endParaRPr lang="nl-BE"/>
           </a:p>
@@ -7243,7 +7283,7 @@
           <a:p>
             <a:fld id="{2D0660AB-DEF8-4F0D-B084-808191304D25}" type="datetime1">
               <a:rPr lang="nl-BE" smtClean="0"/>
-              <a:t>14/09/2020</a:t>
+              <a:t>21/09/2020</a:t>
             </a:fld>
             <a:endParaRPr lang="nl-BE"/>
           </a:p>
@@ -7489,7 +7529,7 @@
           <a:p>
             <a:fld id="{A671A349-F1E9-4BB9-BDF1-40D376A3D129}" type="datetime1">
               <a:rPr lang="nl-BE" smtClean="0"/>
-              <a:t>14/09/2020</a:t>
+              <a:t>21/09/2020</a:t>
             </a:fld>
             <a:endParaRPr lang="nl-BE"/>
           </a:p>
@@ -8437,7 +8477,7 @@
           <p:nvPr>
             <p:extLst>
               <p:ext uri="{D42A27DB-BD31-4B8C-83A1-F6EECF244321}">
-                <p14:modId xmlns:p14="http://schemas.microsoft.com/office/powerpoint/2010/main" val="2225766642"/>
+                <p14:modId xmlns:p14="http://schemas.microsoft.com/office/powerpoint/2010/main" val="3922147255"/>
               </p:ext>
             </p:extLst>
           </p:nvPr>
@@ -9360,7 +9400,7 @@
                 <a:latin typeface="Consolas" pitchFamily="49" charset="0"/>
                 <a:cs typeface="Consolas" pitchFamily="49" charset="0"/>
               </a:rPr>
-              <a:t> = 4.12345;</a:t>
+              <a:t> = 4.12343;</a:t>
             </a:r>
             <a:br>
               <a:rPr lang="nl-BE" sz="2000" dirty="0">
@@ -10658,7 +10698,7 @@
         <p:spPr>
           <a:xfrm>
             <a:off x="4976031" y="963877"/>
-            <a:ext cx="6377769" cy="4930246"/>
+            <a:ext cx="7096633" cy="4930246"/>
           </a:xfrm>
         </p:spPr>
         <p:txBody>
@@ -10668,7 +10708,7 @@
           <a:lstStyle/>
           <a:p>
             <a:r>
-              <a:rPr lang="nl-BE" sz="2400"/>
+              <a:rPr lang="nl-BE" sz="2400" dirty="0"/>
               <a:t>Verklaring</a:t>
             </a:r>
           </a:p>
@@ -10679,7 +10719,7 @@
               <a:t>Er wordt hier gebruik gemaakt van een afrondingsmechanisme dat bekend staat als het bankiersalgoritme (“</a:t>
             </a:r>
             <a:r>
-              <a:rPr lang="nl-NL" b="1" u="sng"/>
+              <a:rPr lang="nl-NL" b="1" u="sng" dirty="0" err="1"/>
               <a:t>banker's</a:t>
             </a:r>
             <a:r>
@@ -10687,7 +10727,7 @@
               <a:t> </a:t>
             </a:r>
             <a:r>
-              <a:rPr lang="nl-NL" b="1" u="sng"/>
+              <a:rPr lang="nl-NL" b="1" u="sng" dirty="0" err="1"/>
               <a:t>rounding</a:t>
             </a:r>
             <a:r>
@@ -10705,11 +10745,11 @@
           <a:p>
             <a:pPr lvl="2"/>
             <a:r>
-              <a:rPr lang="nl-NL" sz="2400"/>
+              <a:rPr lang="nl-NL" sz="2400" dirty="0"/>
               <a:t>4.5 </a:t>
             </a:r>
             <a:r>
-              <a:rPr lang="nl-NL" sz="2400">
+              <a:rPr lang="nl-NL" sz="2400" dirty="0">
                 <a:sym typeface="Wingdings" pitchFamily="2" charset="2"/>
               </a:rPr>
               <a:t> 4 (en niet 5 zoals je zou verwachten)</a:t>
@@ -11309,7 +11349,7 @@
 </file>
 
 <file path=ppt/slides/slide17.xml><?xml version="1.0" encoding="utf-8"?>
-<p:sld xmlns:a="http://schemas.openxmlformats.org/drawingml/2006/main" xmlns:r="http://schemas.openxmlformats.org/officeDocument/2006/relationships" xmlns:p="http://schemas.openxmlformats.org/presentationml/2006/main">
+<p:sld xmlns:a="http://schemas.openxmlformats.org/drawingml/2006/main" xmlns:r="http://schemas.openxmlformats.org/officeDocument/2006/relationships" xmlns:p="http://schemas.openxmlformats.org/presentationml/2006/main" show="0">
   <p:cSld>
     <p:spTree>
       <p:nvGrpSpPr>
@@ -12639,12 +12679,6 @@
             </a:r>
           </a:p>
           <a:p>
-            <a:r>
-              <a:rPr lang="nl-BE" dirty="0"/>
-              <a:t>Zelfde getallen?</a:t>
-            </a:r>
-          </a:p>
-          <a:p>
             <a:endParaRPr lang="nl-BE" dirty="0"/>
           </a:p>
           <a:p>
@@ -13833,7 +13867,7 @@
 </file>
 
 <file path=ppt/slides/slide8.xml><?xml version="1.0" encoding="utf-8"?>
-<p:sld xmlns:a="http://schemas.openxmlformats.org/drawingml/2006/main" xmlns:r="http://schemas.openxmlformats.org/officeDocument/2006/relationships" xmlns:p="http://schemas.openxmlformats.org/presentationml/2006/main">
+<p:sld xmlns:a="http://schemas.openxmlformats.org/drawingml/2006/main" xmlns:r="http://schemas.openxmlformats.org/officeDocument/2006/relationships" xmlns:p="http://schemas.openxmlformats.org/presentationml/2006/main" show="0">
   <p:cSld>
     <p:spTree>
       <p:nvGrpSpPr>
@@ -14125,13 +14159,6 @@
               <a:rPr lang="nl-BE" dirty="0"/>
               <a:t>Math werking</a:t>
             </a:r>
-          </a:p>
-          <a:p>
-            <a:r>
-              <a:rPr lang="nl-BE" dirty="0" err="1"/>
-              <a:t>Const</a:t>
-            </a:r>
-            <a:endParaRPr lang="nl-BE" dirty="0"/>
           </a:p>
           <a:p>
             <a:endParaRPr lang="nl-BE" dirty="0"/>
